--- a/img/base.pptx
+++ b/img/base.pptx
@@ -1949,8 +1949,8 @@
           <a:chExt cx="0" cy="0"/>
         </a:xfrm>
       </p:grpSpPr>
-      <mc:AlternateContent xmlns:mc="http://schemas.openxmlformats.org/markup-compatibility/2006" xmlns:a14="http://schemas.microsoft.com/office/drawing/2010/main">
-        <mc:Choice Requires="a14">
+      <mc:AlternateContent xmlns:mc="http://schemas.openxmlformats.org/markup-compatibility/2006">
+        <mc:Choice xmlns:a14="http://schemas.microsoft.com/office/drawing/2010/main" Requires="a14">
           <p:sp>
             <p:nvSpPr>
               <p:cNvPr id="37" name="テキスト ボックス 36"/>
@@ -1960,7 +1960,7 @@
             <p:spPr>
               <a:xfrm>
                 <a:off x="1482295" y="3038339"/>
-                <a:ext cx="296363" cy="261731"/>
+                <a:ext cx="244682" cy="207749"/>
               </a:xfrm>
               <a:prstGeom prst="rect">
                 <a:avLst/>
@@ -1988,7 +1988,7 @@
                         <m:accPr>
                           <m:chr m:val="⃗"/>
                           <m:ctrlPr>
-                            <a:rPr lang="ja-JP" altLang="en-US" sz="1400" i="1">
+                            <a:rPr lang="ja-JP" altLang="en-US" sz="1050" i="1">
                               <a:latin typeface="Cambria Math"/>
                               <a:ea typeface="ＭＳ ゴシック" pitchFamily="49" charset="-128"/>
                               <a:cs typeface="Courier New" pitchFamily="49" charset="0"/>
@@ -1999,7 +1999,7 @@
                           <m:sSub>
                             <m:sSubPr>
                               <m:ctrlPr>
-                                <a:rPr lang="en-US" altLang="ja-JP" sz="1400" i="1">
+                                <a:rPr lang="en-US" altLang="ja-JP" sz="1050" i="1">
                                   <a:latin typeface="Cambria Math"/>
                                   <a:ea typeface="ＭＳ ゴシック" pitchFamily="49" charset="-128"/>
                                   <a:cs typeface="Courier New" pitchFamily="49" charset="0"/>
@@ -2008,7 +2008,7 @@
                             </m:sSubPr>
                             <m:e>
                               <m:r>
-                                <a:rPr lang="en-US" altLang="ja-JP" sz="1400" i="1">
+                                <a:rPr lang="en-US" altLang="ja-JP" sz="1050" i="1">
                                   <a:latin typeface="Cambria Math"/>
                                   <a:ea typeface="ＭＳ ゴシック" pitchFamily="49" charset="-128"/>
                                   <a:cs typeface="Courier New" pitchFamily="49" charset="0"/>
@@ -2018,7 +2018,7 @@
                             </m:e>
                             <m:sub>
                               <m:r>
-                                <a:rPr lang="en-US" altLang="ja-JP" sz="1400" i="1">
+                                <a:rPr lang="en-US" altLang="ja-JP" sz="1050" i="1">
                                   <a:latin typeface="Cambria Math"/>
                                   <a:ea typeface="ＭＳ ゴシック" pitchFamily="49" charset="-128"/>
                                   <a:cs typeface="Courier New" pitchFamily="49" charset="0"/>
@@ -2032,7 +2032,7 @@
                     </m:oMath>
                   </m:oMathPara>
                 </a14:m>
-                <a:endParaRPr lang="ja-JP" altLang="en-US" sz="1400">
+                <a:endParaRPr lang="ja-JP" altLang="en-US" sz="1050">
                   <a:latin typeface="+mj-lt"/>
                   <a:ea typeface="ＭＳ ゴシック" pitchFamily="49" charset="-128"/>
                   <a:cs typeface="Courier New" pitchFamily="49" charset="0"/>
@@ -2041,7 +2041,7 @@
             </p:txBody>
           </p:sp>
         </mc:Choice>
-        <mc:Fallback xmlns="">
+        <mc:Fallback>
           <p:sp>
             <p:nvSpPr>
               <p:cNvPr id="37" name="テキスト ボックス 36"/>
@@ -2053,7 +2053,7 @@
             <p:spPr>
               <a:xfrm>
                 <a:off x="1482295" y="3038339"/>
-                <a:ext cx="296363" cy="261731"/>
+                <a:ext cx="244682" cy="207749"/>
               </a:xfrm>
               <a:prstGeom prst="rect">
                 <a:avLst/>
@@ -2061,7 +2061,7 @@
               <a:blipFill rotWithShape="1">
                 <a:blip r:embed="rId2"/>
                 <a:stretch>
-                  <a:fillRect b="-2326"/>
+                  <a:fillRect b="-2941"/>
                 </a:stretch>
               </a:blipFill>
               <a:ln w="19050" cap="rnd">
@@ -2092,8 +2092,8 @@
         </p:nvSpPr>
         <p:spPr>
           <a:xfrm>
-            <a:off x="1415782" y="2003326"/>
-            <a:ext cx="1526456" cy="1061169"/>
+            <a:off x="1415782" y="2147342"/>
+            <a:ext cx="1526456" cy="917153"/>
           </a:xfrm>
           <a:prstGeom prst="parallelogram">
             <a:avLst>
@@ -2133,7 +2133,7 @@
           <a:lstStyle/>
           <a:p>
             <a:pPr algn="ctr"/>
-            <a:endParaRPr kumimoji="1" lang="ja-JP" altLang="en-US"/>
+            <a:endParaRPr kumimoji="1" lang="ja-JP" altLang="en-US" sz="1050"/>
           </a:p>
         </p:txBody>
       </p:sp>
@@ -2209,8 +2209,8 @@
           </a:fontRef>
         </p:style>
       </p:cxnSp>
-      <mc:AlternateContent xmlns:mc="http://schemas.openxmlformats.org/markup-compatibility/2006" xmlns:a14="http://schemas.microsoft.com/office/drawing/2010/main">
-        <mc:Choice Requires="a14">
+      <mc:AlternateContent xmlns:mc="http://schemas.openxmlformats.org/markup-compatibility/2006">
+        <mc:Choice xmlns:a14="http://schemas.microsoft.com/office/drawing/2010/main" Requires="a14">
           <p:sp>
             <p:nvSpPr>
               <p:cNvPr id="38" name="テキスト ボックス 37"/>
@@ -2220,7 +2220,7 @@
             <p:spPr>
               <a:xfrm>
                 <a:off x="1053469" y="2749697"/>
-                <a:ext cx="392030" cy="307777"/>
+                <a:ext cx="340158" cy="253916"/>
               </a:xfrm>
               <a:prstGeom prst="rect">
                 <a:avLst/>
@@ -2248,7 +2248,7 @@
                         <m:accPr>
                           <m:chr m:val="⃗"/>
                           <m:ctrlPr>
-                            <a:rPr lang="ja-JP" altLang="en-US" sz="1400" i="1">
+                            <a:rPr lang="ja-JP" altLang="en-US" sz="1050" i="1">
                               <a:latin typeface="Cambria Math"/>
                               <a:ea typeface="ＭＳ ゴシック" pitchFamily="49" charset="-128"/>
                               <a:cs typeface="Courier New" pitchFamily="49" charset="0"/>
@@ -2259,7 +2259,7 @@
                           <m:sSub>
                             <m:sSubPr>
                               <m:ctrlPr>
-                                <a:rPr lang="en-US" altLang="ja-JP" sz="1400" i="1">
+                                <a:rPr lang="en-US" altLang="ja-JP" sz="1050" i="1">
                                   <a:latin typeface="Cambria Math"/>
                                   <a:ea typeface="ＭＳ ゴシック" pitchFamily="49" charset="-128"/>
                                   <a:cs typeface="Courier New" pitchFamily="49" charset="0"/>
@@ -2268,7 +2268,7 @@
                             </m:sSubPr>
                             <m:e>
                               <m:r>
-                                <a:rPr lang="en-US" altLang="ja-JP" sz="1400" i="1">
+                                <a:rPr lang="en-US" altLang="ja-JP" sz="1050" i="1">
                                   <a:latin typeface="Cambria Math"/>
                                   <a:ea typeface="ＭＳ ゴシック" pitchFamily="49" charset="-128"/>
                                   <a:cs typeface="Courier New" pitchFamily="49" charset="0"/>
@@ -2278,7 +2278,7 @@
                             </m:e>
                             <m:sub>
                               <m:r>
-                                <a:rPr lang="en-US" altLang="ja-JP" sz="1400" i="1">
+                                <a:rPr lang="en-US" altLang="ja-JP" sz="1050" i="1">
                                   <a:latin typeface="Cambria Math"/>
                                   <a:ea typeface="ＭＳ ゴシック" pitchFamily="49" charset="-128"/>
                                   <a:cs typeface="Courier New" pitchFamily="49" charset="0"/>
@@ -2292,7 +2292,7 @@
                     </m:oMath>
                   </m:oMathPara>
                 </a14:m>
-                <a:endParaRPr lang="ja-JP" altLang="en-US" sz="1400">
+                <a:endParaRPr lang="ja-JP" altLang="en-US" sz="1050">
                   <a:latin typeface="+mj-lt"/>
                   <a:ea typeface="ＭＳ ゴシック" pitchFamily="49" charset="-128"/>
                   <a:cs typeface="Courier New" pitchFamily="49" charset="0"/>
@@ -2301,7 +2301,7 @@
             </p:txBody>
           </p:sp>
         </mc:Choice>
-        <mc:Fallback xmlns="">
+        <mc:Fallback>
           <p:sp>
             <p:nvSpPr>
               <p:cNvPr id="38" name="テキスト ボックス 37"/>
@@ -2313,7 +2313,7 @@
             <p:spPr>
               <a:xfrm>
                 <a:off x="1053469" y="2749697"/>
-                <a:ext cx="392030" cy="307777"/>
+                <a:ext cx="340158" cy="253916"/>
               </a:xfrm>
               <a:prstGeom prst="rect">
                 <a:avLst/>
@@ -2391,7 +2391,7 @@
             <p:spPr>
               <a:xfrm>
                 <a:off x="2141984" y="2775669"/>
-                <a:ext cx="757900" cy="307777"/>
+                <a:ext cx="793101" cy="253916"/>
               </a:xfrm>
               <a:prstGeom prst="rect">
                 <a:avLst/>
@@ -2416,7 +2416,7 @@
                     </m:oMathParaPr>
                     <m:oMath xmlns:m="http://schemas.openxmlformats.org/officeDocument/2006/math">
                       <m:r>
-                        <a:rPr lang="en-US" altLang="ja-JP" sz="1400" i="1" smtClean="0">
+                        <a:rPr lang="en-US" altLang="ja-JP" sz="1050" i="1" smtClean="0">
                           <a:latin typeface="Cambria Math"/>
                           <a:ea typeface="ＭＳ ゴシック" pitchFamily="49" charset="-128"/>
                           <a:cs typeface="Courier New" pitchFamily="49" charset="0"/>
@@ -2424,7 +2424,15 @@
                         <m:t>𝑃</m:t>
                       </m:r>
                       <m:r>
-                        <a:rPr lang="en-US" altLang="ja-JP" sz="1400" b="0" i="1" smtClean="0">
+                        <a:rPr lang="en-US" altLang="ja-JP" sz="1050" b="0" i="1" smtClean="0">
+                          <a:latin typeface="Cambria Math"/>
+                          <a:ea typeface="ＭＳ ゴシック" pitchFamily="49" charset="-128"/>
+                          <a:cs typeface="Courier New" pitchFamily="49" charset="0"/>
+                        </a:rPr>
+                        <m:t>=</m:t>
+                      </m:r>
+                      <m:r>
+                        <a:rPr lang="en-US" altLang="ja-JP" sz="1050" b="0" i="1" smtClean="0">
                           <a:latin typeface="Cambria Math"/>
                           <a:ea typeface="ＭＳ ゴシック" pitchFamily="49" charset="-128"/>
                           <a:cs typeface="Courier New" pitchFamily="49" charset="0"/>
@@ -2432,7 +2440,7 @@
                         <m:t>(</m:t>
                       </m:r>
                       <m:r>
-                        <a:rPr lang="en-US" altLang="ja-JP" sz="1400" b="0" i="1" smtClean="0">
+                        <a:rPr lang="en-US" altLang="ja-JP" sz="1050" b="0" i="1" smtClean="0">
                           <a:latin typeface="Cambria Math"/>
                           <a:ea typeface="ＭＳ ゴシック" pitchFamily="49" charset="-128"/>
                           <a:cs typeface="Courier New" pitchFamily="49" charset="0"/>
@@ -2440,7 +2448,7 @@
                         <m:t>𝑎</m:t>
                       </m:r>
                       <m:r>
-                        <a:rPr lang="en-US" altLang="ja-JP" sz="1400" b="0" i="1" smtClean="0">
+                        <a:rPr lang="en-US" altLang="ja-JP" sz="1050" b="0" i="1" smtClean="0">
                           <a:latin typeface="Cambria Math"/>
                           <a:ea typeface="ＭＳ ゴシック" pitchFamily="49" charset="-128"/>
                           <a:cs typeface="Courier New" pitchFamily="49" charset="0"/>
@@ -2448,7 +2456,7 @@
                         <m:t>,</m:t>
                       </m:r>
                       <m:r>
-                        <a:rPr lang="en-US" altLang="ja-JP" sz="1400" b="0" i="1" smtClean="0">
+                        <a:rPr lang="en-US" altLang="ja-JP" sz="1050" b="0" i="1" smtClean="0">
                           <a:latin typeface="Cambria Math"/>
                           <a:ea typeface="ＭＳ ゴシック" pitchFamily="49" charset="-128"/>
                           <a:cs typeface="Courier New" pitchFamily="49" charset="0"/>
@@ -2456,7 +2464,7 @@
                         <m:t>𝑏</m:t>
                       </m:r>
                       <m:r>
-                        <a:rPr lang="en-US" altLang="ja-JP" sz="1400" b="0" i="1" smtClean="0">
+                        <a:rPr lang="en-US" altLang="ja-JP" sz="1050" b="0" i="1" smtClean="0">
                           <a:latin typeface="Cambria Math"/>
                           <a:ea typeface="ＭＳ ゴシック" pitchFamily="49" charset="-128"/>
                           <a:cs typeface="Courier New" pitchFamily="49" charset="0"/>
@@ -2466,7 +2474,7 @@
                     </m:oMath>
                   </m:oMathPara>
                 </a14:m>
-                <a:endParaRPr lang="ja-JP" altLang="en-US" sz="1400">
+                <a:endParaRPr lang="ja-JP" altLang="en-US" sz="1050">
                   <a:latin typeface="+mj-lt"/>
                   <a:ea typeface="ＭＳ ゴシック" pitchFamily="49" charset="-128"/>
                   <a:cs typeface="Courier New" pitchFamily="49" charset="0"/>
@@ -2487,7 +2495,7 @@
             <p:spPr>
               <a:xfrm>
                 <a:off x="2141984" y="2775669"/>
-                <a:ext cx="757900" cy="307777"/>
+                <a:ext cx="793101" cy="253916"/>
               </a:xfrm>
               <a:prstGeom prst="rect">
                 <a:avLst/>
@@ -2495,7 +2503,7 @@
               <a:blipFill rotWithShape="1">
                 <a:blip r:embed="rId4"/>
                 <a:stretch>
-                  <a:fillRect b="-5882"/>
+                  <a:fillRect b="-4762"/>
                 </a:stretch>
               </a:blipFill>
               <a:ln w="19050" cap="rnd">
@@ -2528,8 +2536,8 @@
             </p:nvSpPr>
             <p:spPr>
               <a:xfrm>
-                <a:off x="1925960" y="2219350"/>
-                <a:ext cx="765081" cy="307777"/>
+                <a:off x="1565920" y="2271613"/>
+                <a:ext cx="797782" cy="253916"/>
               </a:xfrm>
               <a:prstGeom prst="rect">
                 <a:avLst/>
@@ -2554,7 +2562,7 @@
                     </m:oMathParaPr>
                     <m:oMath xmlns:m="http://schemas.openxmlformats.org/officeDocument/2006/math">
                       <m:r>
-                        <a:rPr lang="en-US" altLang="ja-JP" sz="1400" i="1" smtClean="0">
+                        <a:rPr lang="en-US" altLang="ja-JP" sz="1050" i="1" smtClean="0">
                           <a:latin typeface="Cambria Math"/>
                           <a:ea typeface="ＭＳ ゴシック" pitchFamily="49" charset="-128"/>
                           <a:cs typeface="Courier New" pitchFamily="49" charset="0"/>
@@ -2562,7 +2570,15 @@
                         <m:t>𝑄</m:t>
                       </m:r>
                       <m:r>
-                        <a:rPr lang="en-US" altLang="ja-JP" sz="1400" b="0" i="1" smtClean="0">
+                        <a:rPr lang="en-US" altLang="ja-JP" sz="1050" b="0" i="1" smtClean="0">
+                          <a:latin typeface="Cambria Math"/>
+                          <a:ea typeface="ＭＳ ゴシック" pitchFamily="49" charset="-128"/>
+                          <a:cs typeface="Courier New" pitchFamily="49" charset="0"/>
+                        </a:rPr>
+                        <m:t>=</m:t>
+                      </m:r>
+                      <m:r>
+                        <a:rPr lang="en-US" altLang="ja-JP" sz="1050" b="0" i="1" smtClean="0">
                           <a:latin typeface="Cambria Math"/>
                           <a:ea typeface="ＭＳ ゴシック" pitchFamily="49" charset="-128"/>
                           <a:cs typeface="Courier New" pitchFamily="49" charset="0"/>
@@ -2570,7 +2586,7 @@
                         <m:t>(</m:t>
                       </m:r>
                       <m:r>
-                        <a:rPr lang="en-US" altLang="ja-JP" sz="1400" b="0" i="1" smtClean="0">
+                        <a:rPr lang="en-US" altLang="ja-JP" sz="1050" b="0" i="1" smtClean="0">
                           <a:latin typeface="Cambria Math"/>
                           <a:ea typeface="ＭＳ ゴシック" pitchFamily="49" charset="-128"/>
                           <a:cs typeface="Courier New" pitchFamily="49" charset="0"/>
@@ -2578,7 +2594,7 @@
                         <m:t>𝑐</m:t>
                       </m:r>
                       <m:r>
-                        <a:rPr lang="en-US" altLang="ja-JP" sz="1400" b="0" i="1" smtClean="0">
+                        <a:rPr lang="en-US" altLang="ja-JP" sz="1050" b="0" i="1" smtClean="0">
                           <a:latin typeface="Cambria Math"/>
                           <a:ea typeface="ＭＳ ゴシック" pitchFamily="49" charset="-128"/>
                           <a:cs typeface="Courier New" pitchFamily="49" charset="0"/>
@@ -2586,7 +2602,7 @@
                         <m:t>,</m:t>
                       </m:r>
                       <m:r>
-                        <a:rPr lang="en-US" altLang="ja-JP" sz="1400" b="0" i="1" smtClean="0">
+                        <a:rPr lang="en-US" altLang="ja-JP" sz="1050" b="0" i="1" smtClean="0">
                           <a:latin typeface="Cambria Math"/>
                           <a:ea typeface="ＭＳ ゴシック" pitchFamily="49" charset="-128"/>
                           <a:cs typeface="Courier New" pitchFamily="49" charset="0"/>
@@ -2594,7 +2610,7 @@
                         <m:t>𝑑</m:t>
                       </m:r>
                       <m:r>
-                        <a:rPr lang="en-US" altLang="ja-JP" sz="1400" b="0" i="1" smtClean="0">
+                        <a:rPr lang="en-US" altLang="ja-JP" sz="1050" b="0" i="1" smtClean="0">
                           <a:latin typeface="Cambria Math"/>
                           <a:ea typeface="ＭＳ ゴシック" pitchFamily="49" charset="-128"/>
                           <a:cs typeface="Courier New" pitchFamily="49" charset="0"/>
@@ -2604,7 +2620,7 @@
                     </m:oMath>
                   </m:oMathPara>
                 </a14:m>
-                <a:endParaRPr lang="ja-JP" altLang="en-US" sz="1400">
+                <a:endParaRPr lang="ja-JP" altLang="en-US" sz="1050">
                   <a:latin typeface="+mj-lt"/>
                   <a:ea typeface="ＭＳ ゴシック" pitchFamily="49" charset="-128"/>
                   <a:cs typeface="Courier New" pitchFamily="49" charset="0"/>
@@ -2624,8 +2640,8 @@
             </p:nvSpPr>
             <p:spPr>
               <a:xfrm>
-                <a:off x="1925960" y="2219350"/>
-                <a:ext cx="765081" cy="307777"/>
+                <a:off x="1565920" y="2271613"/>
+                <a:ext cx="797782" cy="253916"/>
               </a:xfrm>
               <a:prstGeom prst="rect">
                 <a:avLst/>
@@ -2633,7 +2649,7 @@
               <a:blipFill rotWithShape="1">
                 <a:blip r:embed="rId5"/>
                 <a:stretch>
-                  <a:fillRect b="-5882"/>
+                  <a:fillRect b="-7317"/>
                 </a:stretch>
               </a:blipFill>
               <a:ln w="19050" cap="rnd">
@@ -2664,8 +2680,8 @@
         </p:nvCxnSpPr>
         <p:spPr>
           <a:xfrm flipV="1">
-            <a:off x="1407789" y="2418418"/>
-            <a:ext cx="610081" cy="639843"/>
+            <a:off x="1407789" y="2507382"/>
+            <a:ext cx="305040" cy="550880"/>
           </a:xfrm>
           <a:prstGeom prst="straightConnector1">
             <a:avLst/>
@@ -2692,8 +2708,8 @@
           </a:fontRef>
         </p:style>
       </p:cxnSp>
-      <mc:AlternateContent xmlns:mc="http://schemas.openxmlformats.org/markup-compatibility/2006" xmlns:a14="http://schemas.microsoft.com/office/drawing/2010/main">
-        <mc:Choice Requires="a14">
+      <mc:AlternateContent xmlns:mc="http://schemas.openxmlformats.org/markup-compatibility/2006">
+        <mc:Choice xmlns:a14="http://schemas.microsoft.com/office/drawing/2010/main" Requires="a14">
           <p:sp>
             <p:nvSpPr>
               <p:cNvPr id="19" name="テキスト ボックス 18"/>
@@ -2703,7 +2719,7 @@
             <p:spPr>
               <a:xfrm>
                 <a:off x="1182285" y="2991693"/>
-                <a:ext cx="311627" cy="307777"/>
+                <a:ext cx="311627" cy="253916"/>
               </a:xfrm>
               <a:prstGeom prst="rect">
                 <a:avLst/>
@@ -2728,7 +2744,7 @@
                     </m:oMathParaPr>
                     <m:oMath xmlns:m="http://schemas.openxmlformats.org/officeDocument/2006/math">
                       <m:r>
-                        <a:rPr lang="en-US" altLang="ja-JP" sz="1400" b="0" i="1" smtClean="0">
+                        <a:rPr lang="en-US" altLang="ja-JP" sz="1050" b="0" i="1" smtClean="0">
                           <a:latin typeface="Cambria Math"/>
                           <a:ea typeface="ＭＳ ゴシック" pitchFamily="49" charset="-128"/>
                           <a:cs typeface="Courier New" pitchFamily="49" charset="0"/>
@@ -2738,7 +2754,7 @@
                     </m:oMath>
                   </m:oMathPara>
                 </a14:m>
-                <a:endParaRPr lang="ja-JP" altLang="en-US" sz="1400">
+                <a:endParaRPr lang="ja-JP" altLang="en-US" sz="1050">
                   <a:latin typeface="+mj-lt"/>
                   <a:ea typeface="ＭＳ ゴシック" pitchFamily="49" charset="-128"/>
                   <a:cs typeface="Courier New" pitchFamily="49" charset="0"/>
@@ -2747,7 +2763,7 @@
             </p:txBody>
           </p:sp>
         </mc:Choice>
-        <mc:Fallback xmlns="">
+        <mc:Fallback>
           <p:sp>
             <p:nvSpPr>
               <p:cNvPr id="19" name="テキスト ボックス 18"/>
@@ -2759,13 +2775,13 @@
             <p:spPr>
               <a:xfrm>
                 <a:off x="1182285" y="2991693"/>
-                <a:ext cx="311627" cy="307777"/>
+                <a:ext cx="311627" cy="253916"/>
               </a:xfrm>
               <a:prstGeom prst="rect">
                 <a:avLst/>
               </a:prstGeom>
               <a:blipFill rotWithShape="1">
-                <a:blip r:embed="rId9"/>
+                <a:blip r:embed="rId6"/>
                 <a:stretch>
                   <a:fillRect/>
                 </a:stretch>
